--- a/Currency Converter Presentation.pptx
+++ b/Currency Converter Presentation.pptx
@@ -6,6 +6,9 @@
   </p:sldMasterIdLst>
   <p:sldIdLst>
     <p:sldId id="256" r:id="rId2"/>
+    <p:sldId id="257" r:id="rId3"/>
+    <p:sldId id="258" r:id="rId4"/>
+    <p:sldId id="259" r:id="rId5"/>
   </p:sldIdLst>
   <p:sldSz cx="12192000" cy="6858000"/>
   <p:notesSz cx="6858000" cy="9144000"/>
@@ -104,6 +107,11 @@
       </a:defRPr>
     </a:lvl9pPr>
   </p:defaultTextStyle>
+  <p:extLst>
+    <p:ext uri="{EFAFB233-063F-42B5-8137-9DF3F51BA10A}">
+      <p15:sldGuideLst xmlns:p15="http://schemas.microsoft.com/office/powerpoint/2012/main"/>
+    </p:ext>
+  </p:extLst>
 </p:presentation>
 </file>
 
@@ -345,7 +353,7 @@
           <a:p>
             <a:fld id="{ED291B17-9318-49DB-B28B-6E5994AE9581}" type="datetime1">
               <a:rPr lang="en-US" smtClean="0"/>
-              <a:t>7/21/2024</a:t>
+              <a:t>7/22/2024</a:t>
             </a:fld>
             <a:endParaRPr lang="en-US" dirty="0"/>
           </a:p>
@@ -548,7 +556,7 @@
           <a:p>
             <a:fld id="{2CED4963-E985-44C4-B8C4-FDD613B7C2F8}" type="datetime1">
               <a:rPr lang="en-US" smtClean="0"/>
-              <a:t>7/21/2024</a:t>
+              <a:t>7/22/2024</a:t>
             </a:fld>
             <a:endParaRPr lang="en-US" dirty="0"/>
           </a:p>
@@ -910,7 +918,7 @@
           <a:p>
             <a:fld id="{ED291B17-9318-49DB-B28B-6E5994AE9581}" type="datetime1">
               <a:rPr lang="en-US" smtClean="0"/>
-              <a:t>7/21/2024</a:t>
+              <a:t>7/22/2024</a:t>
             </a:fld>
             <a:endParaRPr lang="en-US" dirty="0"/>
           </a:p>
@@ -1108,7 +1116,7 @@
           <a:p>
             <a:fld id="{78DD82B9-B8EE-4375-B6FF-88FA6ABB15D9}" type="datetime1">
               <a:rPr lang="en-US" smtClean="0"/>
-              <a:t>7/21/2024</a:t>
+              <a:t>7/22/2024</a:t>
             </a:fld>
             <a:endParaRPr lang="en-US" dirty="0"/>
           </a:p>
@@ -1420,7 +1428,7 @@
           <a:p>
             <a:fld id="{B2497495-0637-405E-AE64-5CC7506D51F5}" type="datetime1">
               <a:rPr lang="en-US" smtClean="0"/>
-              <a:t>7/21/2024</a:t>
+              <a:t>7/22/2024</a:t>
             </a:fld>
             <a:endParaRPr lang="en-US" dirty="0"/>
           </a:p>
@@ -1673,7 +1681,7 @@
           <a:p>
             <a:fld id="{7BFFD690-9426-415D-8B65-26881E07B2D4}" type="datetime1">
               <a:rPr lang="en-US" smtClean="0"/>
-              <a:t>7/21/2024</a:t>
+              <a:t>7/22/2024</a:t>
             </a:fld>
             <a:endParaRPr lang="en-US" dirty="0"/>
           </a:p>
@@ -2095,7 +2103,7 @@
           <a:p>
             <a:fld id="{04C4989A-474C-40DE-95B9-011C28B71673}" type="datetime1">
               <a:rPr lang="en-US" smtClean="0"/>
-              <a:t>7/21/2024</a:t>
+              <a:t>7/22/2024</a:t>
             </a:fld>
             <a:endParaRPr lang="en-US" dirty="0"/>
           </a:p>
@@ -2218,7 +2226,7 @@
           <a:p>
             <a:fld id="{5DB4ED54-5B5E-4A04-93D3-5772E3CE3818}" type="datetime1">
               <a:rPr lang="en-US" smtClean="0"/>
-              <a:t>7/21/2024</a:t>
+              <a:t>7/22/2024</a:t>
             </a:fld>
             <a:endParaRPr lang="en-US" dirty="0"/>
           </a:p>
@@ -2313,7 +2321,7 @@
           <a:p>
             <a:fld id="{4EDE50D6-574B-40AF-946F-D52A04ADE379}" type="datetime1">
               <a:rPr lang="en-US" smtClean="0"/>
-              <a:t>7/21/2024</a:t>
+              <a:t>7/22/2024</a:t>
             </a:fld>
             <a:endParaRPr lang="en-US" dirty="0"/>
           </a:p>
@@ -2690,7 +2698,7 @@
           <a:p>
             <a:fld id="{D82884F1-FFEA-405F-9602-3DCA865EDA4E}" type="datetime1">
               <a:rPr lang="en-US" smtClean="0"/>
-              <a:t>7/21/2024</a:t>
+              <a:t>7/22/2024</a:t>
             </a:fld>
             <a:endParaRPr lang="en-US" dirty="0"/>
           </a:p>
@@ -2983,7 +2991,7 @@
           <a:p>
             <a:fld id="{7E18DB4A-8810-4A10-AD5C-D5E2C667F5B3}" type="datetime1">
               <a:rPr lang="en-US" smtClean="0"/>
-              <a:t>7/21/2024</a:t>
+              <a:t>7/22/2024</a:t>
             </a:fld>
             <a:endParaRPr lang="en-US" dirty="0"/>
           </a:p>
@@ -3198,7 +3206,7 @@
           <a:p>
             <a:fld id="{ED291B17-9318-49DB-B28B-6E5994AE9581}" type="datetime1">
               <a:rPr lang="en-US" smtClean="0"/>
-              <a:t>7/21/2024</a:t>
+              <a:t>7/22/2024</a:t>
             </a:fld>
             <a:endParaRPr lang="en-US" dirty="0"/>
           </a:p>
@@ -4348,6 +4356,1439 @@
 </p:sld>
 </file>
 
+<file path=ppt/slides/slide2.xml><?xml version="1.0" encoding="utf-8"?>
+<p:sld xmlns:a="http://schemas.openxmlformats.org/drawingml/2006/main" xmlns:r="http://schemas.openxmlformats.org/officeDocument/2006/relationships" xmlns:p="http://schemas.openxmlformats.org/presentationml/2006/main">
+  <p:cSld>
+    <p:bg>
+      <p:bgPr>
+        <a:solidFill>
+          <a:schemeClr val="bg2"/>
+        </a:solidFill>
+        <a:effectLst/>
+      </p:bgPr>
+    </p:bg>
+    <p:spTree>
+      <p:nvGrpSpPr>
+        <p:cNvPr id="1" name=""/>
+        <p:cNvGrpSpPr/>
+        <p:nvPr/>
+      </p:nvGrpSpPr>
+      <p:grpSpPr>
+        <a:xfrm>
+          <a:off x="0" y="0"/>
+          <a:ext cx="0" cy="0"/>
+          <a:chOff x="0" y="0"/>
+          <a:chExt cx="0" cy="0"/>
+        </a:xfrm>
+      </p:grpSpPr>
+      <p:sp>
+        <p:nvSpPr>
+          <p:cNvPr id="10" name="Rectangle 9">
+            <a:extLst>
+              <a:ext uri="{FF2B5EF4-FFF2-40B4-BE49-F238E27FC236}">
+                <a16:creationId xmlns:a16="http://schemas.microsoft.com/office/drawing/2014/main" id="{88C97474-5879-4DB5-B4F3-F0357104BC8E}"/>
+              </a:ext>
+              <a:ext uri="{C183D7F6-B498-43B3-948B-1728B52AA6E4}">
+                <adec:decorative xmlns:adec="http://schemas.microsoft.com/office/drawing/2017/decorative" val="1"/>
+              </a:ext>
+            </a:extLst>
+          </p:cNvPr>
+          <p:cNvSpPr>
+            <a:spLocks noGrp="1" noRot="1" noChangeAspect="1" noMove="1" noResize="1" noEditPoints="1" noAdjustHandles="1" noChangeArrowheads="1" noChangeShapeType="1" noTextEdit="1"/>
+          </p:cNvSpPr>
+          <p:nvPr>
+            <p:extLst>
+              <p:ext uri="{386F3935-93C4-4BCD-93E2-E3B085C9AB24}">
+                <p16:designElem xmlns:p16="http://schemas.microsoft.com/office/powerpoint/2015/main" val="1"/>
+              </p:ext>
+            </p:extLst>
+          </p:nvPr>
+        </p:nvSpPr>
+        <p:spPr>
+          <a:xfrm>
+            <a:off x="0" y="0"/>
+            <a:ext cx="12192000" cy="6858000"/>
+          </a:xfrm>
+          <a:prstGeom prst="rect">
+            <a:avLst/>
+          </a:prstGeom>
+          <a:solidFill>
+            <a:schemeClr val="tx1"/>
+          </a:solidFill>
+          <a:ln>
+            <a:noFill/>
+          </a:ln>
+        </p:spPr>
+        <p:style>
+          <a:lnRef idx="2">
+            <a:schemeClr val="accent1">
+              <a:shade val="50000"/>
+            </a:schemeClr>
+          </a:lnRef>
+          <a:fillRef idx="1">
+            <a:schemeClr val="accent1"/>
+          </a:fillRef>
+          <a:effectRef idx="0">
+            <a:schemeClr val="accent1"/>
+          </a:effectRef>
+          <a:fontRef idx="minor">
+            <a:schemeClr val="lt1"/>
+          </a:fontRef>
+        </p:style>
+        <p:txBody>
+          <a:bodyPr rtlCol="0" anchor="ctr"/>
+          <a:lstStyle/>
+          <a:p>
+            <a:pPr algn="ctr"/>
+            <a:endParaRPr lang="en-US"/>
+          </a:p>
+        </p:txBody>
+      </p:sp>
+      <p:sp>
+        <p:nvSpPr>
+          <p:cNvPr id="12" name="Rectangle 11">
+            <a:extLst>
+              <a:ext uri="{FF2B5EF4-FFF2-40B4-BE49-F238E27FC236}">
+                <a16:creationId xmlns:a16="http://schemas.microsoft.com/office/drawing/2014/main" id="{9831CBB7-4817-4B54-A7F9-0AE2D0C47870}"/>
+              </a:ext>
+              <a:ext uri="{C183D7F6-B498-43B3-948B-1728B52AA6E4}">
+                <adec:decorative xmlns:adec="http://schemas.microsoft.com/office/drawing/2017/decorative" val="1"/>
+              </a:ext>
+            </a:extLst>
+          </p:cNvPr>
+          <p:cNvSpPr>
+            <a:spLocks noGrp="1" noRot="1" noChangeAspect="1" noMove="1" noResize="1" noEditPoints="1" noAdjustHandles="1" noChangeArrowheads="1" noChangeShapeType="1" noTextEdit="1"/>
+          </p:cNvSpPr>
+          <p:nvPr>
+            <p:extLst>
+              <p:ext uri="{386F3935-93C4-4BCD-93E2-E3B085C9AB24}">
+                <p16:designElem xmlns:p16="http://schemas.microsoft.com/office/powerpoint/2015/main" val="1"/>
+              </p:ext>
+            </p:extLst>
+          </p:nvPr>
+        </p:nvSpPr>
+        <p:spPr>
+          <a:xfrm>
+            <a:off x="6667029" y="457200"/>
+            <a:ext cx="5010912" cy="91440"/>
+          </a:xfrm>
+          <a:prstGeom prst="rect">
+            <a:avLst/>
+          </a:prstGeom>
+          <a:solidFill>
+            <a:srgbClr val="465359"/>
+          </a:solidFill>
+          <a:ln>
+            <a:noFill/>
+          </a:ln>
+          <a:effectLst/>
+        </p:spPr>
+        <p:style>
+          <a:lnRef idx="1">
+            <a:schemeClr val="accent1"/>
+          </a:lnRef>
+          <a:fillRef idx="3">
+            <a:schemeClr val="accent1"/>
+          </a:fillRef>
+          <a:effectRef idx="2">
+            <a:schemeClr val="accent1"/>
+          </a:effectRef>
+          <a:fontRef idx="minor">
+            <a:schemeClr val="lt1"/>
+          </a:fontRef>
+        </p:style>
+        <p:txBody>
+          <a:bodyPr/>
+          <a:lstStyle/>
+          <a:p>
+            <a:endParaRPr lang="en-US"/>
+          </a:p>
+        </p:txBody>
+      </p:sp>
+      <p:pic>
+        <p:nvPicPr>
+          <p:cNvPr id="5" name="Picture 4" descr="A screenshot of a computer program&#10;&#10;Description automatically generated">
+            <a:extLst>
+              <a:ext uri="{FF2B5EF4-FFF2-40B4-BE49-F238E27FC236}">
+                <a16:creationId xmlns:a16="http://schemas.microsoft.com/office/drawing/2014/main" id="{EE46154C-3294-20F8-CBDB-E069505AFE65}"/>
+              </a:ext>
+            </a:extLst>
+          </p:cNvPr>
+          <p:cNvPicPr>
+            <a:picLocks noChangeAspect="1"/>
+          </p:cNvPicPr>
+          <p:nvPr/>
+        </p:nvPicPr>
+        <p:blipFill>
+          <a:blip r:embed="rId2">
+            <a:extLst>
+              <a:ext uri="{28A0092B-C50C-407E-A947-70E740481C1C}">
+                <a14:useLocalDpi xmlns:a14="http://schemas.microsoft.com/office/drawing/2010/main" val="0"/>
+              </a:ext>
+            </a:extLst>
+          </a:blip>
+          <a:stretch>
+            <a:fillRect/>
+          </a:stretch>
+        </p:blipFill>
+        <p:spPr>
+          <a:xfrm>
+            <a:off x="998344" y="634550"/>
+            <a:ext cx="4920959" cy="5789365"/>
+          </a:xfrm>
+          <a:prstGeom prst="rect">
+            <a:avLst/>
+          </a:prstGeom>
+        </p:spPr>
+      </p:pic>
+      <p:sp>
+        <p:nvSpPr>
+          <p:cNvPr id="14" name="Rectangle 13">
+            <a:extLst>
+              <a:ext uri="{FF2B5EF4-FFF2-40B4-BE49-F238E27FC236}">
+                <a16:creationId xmlns:a16="http://schemas.microsoft.com/office/drawing/2014/main" id="{96BC321D-B05F-4857-8880-97F61B9B7858}"/>
+              </a:ext>
+              <a:ext uri="{C183D7F6-B498-43B3-948B-1728B52AA6E4}">
+                <adec:decorative xmlns:adec="http://schemas.microsoft.com/office/drawing/2017/decorative" val="1"/>
+              </a:ext>
+            </a:extLst>
+          </p:cNvPr>
+          <p:cNvSpPr>
+            <a:spLocks noGrp="1" noRot="1" noChangeAspect="1" noMove="1" noResize="1" noEditPoints="1" noAdjustHandles="1" noChangeArrowheads="1" noChangeShapeType="1" noTextEdit="1"/>
+          </p:cNvSpPr>
+          <p:nvPr>
+            <p:extLst>
+              <p:ext uri="{386F3935-93C4-4BCD-93E2-E3B085C9AB24}">
+                <p16:designElem xmlns:p16="http://schemas.microsoft.com/office/powerpoint/2015/main" val="1"/>
+              </p:ext>
+            </p:extLst>
+          </p:nvPr>
+        </p:nvSpPr>
+        <p:spPr>
+          <a:xfrm>
+            <a:off x="6667791" y="601200"/>
+            <a:ext cx="5009388" cy="5789365"/>
+          </a:xfrm>
+          <a:prstGeom prst="rect">
+            <a:avLst/>
+          </a:prstGeom>
+          <a:solidFill>
+            <a:srgbClr val="465359"/>
+          </a:solidFill>
+          <a:ln>
+            <a:noFill/>
+          </a:ln>
+          <a:effectLst/>
+        </p:spPr>
+        <p:style>
+          <a:lnRef idx="1">
+            <a:schemeClr val="accent1"/>
+          </a:lnRef>
+          <a:fillRef idx="3">
+            <a:schemeClr val="accent1"/>
+          </a:fillRef>
+          <a:effectRef idx="2">
+            <a:schemeClr val="accent1"/>
+          </a:effectRef>
+          <a:fontRef idx="minor">
+            <a:schemeClr val="lt1"/>
+          </a:fontRef>
+        </p:style>
+        <p:txBody>
+          <a:bodyPr/>
+          <a:lstStyle/>
+          <a:p>
+            <a:endParaRPr lang="en-US"/>
+          </a:p>
+        </p:txBody>
+      </p:sp>
+      <p:sp>
+        <p:nvSpPr>
+          <p:cNvPr id="2" name="Title 1">
+            <a:extLst>
+              <a:ext uri="{FF2B5EF4-FFF2-40B4-BE49-F238E27FC236}">
+                <a16:creationId xmlns:a16="http://schemas.microsoft.com/office/drawing/2014/main" id="{097302D6-9EFC-82D0-B303-B67DE1448EC9}"/>
+              </a:ext>
+            </a:extLst>
+          </p:cNvPr>
+          <p:cNvSpPr>
+            <a:spLocks noGrp="1"/>
+          </p:cNvSpPr>
+          <p:nvPr>
+            <p:ph type="title"/>
+          </p:nvPr>
+        </p:nvSpPr>
+        <p:spPr>
+          <a:xfrm>
+            <a:off x="6873606" y="938022"/>
+            <a:ext cx="4597758" cy="1188720"/>
+          </a:xfrm>
+        </p:spPr>
+        <p:txBody>
+          <a:bodyPr>
+            <a:normAutofit fontScale="90000"/>
+          </a:bodyPr>
+          <a:lstStyle/>
+          <a:p>
+            <a:r>
+              <a:rPr lang="en-US" sz="4000" dirty="0">
+                <a:solidFill>
+                  <a:srgbClr val="FFFFFF"/>
+                </a:solidFill>
+              </a:rPr>
+              <a:t>Source code/tutorials</a:t>
+            </a:r>
+          </a:p>
+        </p:txBody>
+      </p:sp>
+      <p:sp>
+        <p:nvSpPr>
+          <p:cNvPr id="3" name="Content Placeholder 2">
+            <a:extLst>
+              <a:ext uri="{FF2B5EF4-FFF2-40B4-BE49-F238E27FC236}">
+                <a16:creationId xmlns:a16="http://schemas.microsoft.com/office/drawing/2014/main" id="{B1813536-6465-3393-9AB7-53020FEA1D5E}"/>
+              </a:ext>
+            </a:extLst>
+          </p:cNvPr>
+          <p:cNvSpPr>
+            <a:spLocks noGrp="1"/>
+          </p:cNvSpPr>
+          <p:nvPr>
+            <p:ph idx="1"/>
+          </p:nvPr>
+        </p:nvSpPr>
+        <p:spPr>
+          <a:xfrm>
+            <a:off x="6873606" y="2609493"/>
+            <a:ext cx="4597758" cy="2705101"/>
+          </a:xfrm>
+        </p:spPr>
+        <p:txBody>
+          <a:bodyPr>
+            <a:normAutofit/>
+          </a:bodyPr>
+          <a:lstStyle/>
+          <a:p>
+            <a:r>
+              <a:rPr lang="en-US" dirty="0">
+                <a:solidFill>
+                  <a:srgbClr val="FFFFFF"/>
+                </a:solidFill>
+                <a:hlinkClick r:id="rId3"/>
+              </a:rPr>
+              <a:t>https://github.com/snifhex/currencyConverter</a:t>
+            </a:r>
+            <a:r>
+              <a:rPr lang="en-US" dirty="0">
+                <a:solidFill>
+                  <a:srgbClr val="FFFFFF"/>
+                </a:solidFill>
+              </a:rPr>
+              <a:t> --&gt; This example is what led me to using API Exchange Rates </a:t>
+            </a:r>
+          </a:p>
+          <a:p>
+            <a:r>
+              <a:rPr lang="en-US" dirty="0">
+                <a:solidFill>
+                  <a:srgbClr val="FFFFFF"/>
+                </a:solidFill>
+                <a:hlinkClick r:id="rId4"/>
+              </a:rPr>
+              <a:t>https://www.youtube.com/watch?v=fJKdIf11GcI</a:t>
+            </a:r>
+            <a:r>
+              <a:rPr lang="en-US" dirty="0">
+                <a:solidFill>
+                  <a:srgbClr val="FFFFFF"/>
+                </a:solidFill>
+              </a:rPr>
+              <a:t> </a:t>
+            </a:r>
+            <a:r>
+              <a:rPr lang="en-US" dirty="0">
+                <a:solidFill>
+                  <a:srgbClr val="FFFFFF"/>
+                </a:solidFill>
+                <a:sym typeface="Wingdings" panose="05000000000000000000" pitchFamily="2" charset="2"/>
+              </a:rPr>
+              <a:t>--&gt; This YouTube tutorial helped me learn how to install Pip and Requests</a:t>
+            </a:r>
+            <a:endParaRPr lang="en-US" dirty="0">
+              <a:solidFill>
+                <a:srgbClr val="FFFFFF"/>
+              </a:solidFill>
+            </a:endParaRPr>
+          </a:p>
+        </p:txBody>
+      </p:sp>
+      <p:sp>
+        <p:nvSpPr>
+          <p:cNvPr id="6" name="TextBox 5">
+            <a:extLst>
+              <a:ext uri="{FF2B5EF4-FFF2-40B4-BE49-F238E27FC236}">
+                <a16:creationId xmlns:a16="http://schemas.microsoft.com/office/drawing/2014/main" id="{FF3E1693-C8B8-0586-595A-76568B584039}"/>
+              </a:ext>
+            </a:extLst>
+          </p:cNvPr>
+          <p:cNvSpPr txBox="1"/>
+          <p:nvPr/>
+        </p:nvSpPr>
+        <p:spPr>
+          <a:xfrm>
+            <a:off x="2296313" y="282769"/>
+            <a:ext cx="5010912" cy="369332"/>
+          </a:xfrm>
+          <a:prstGeom prst="rect">
+            <a:avLst/>
+          </a:prstGeom>
+          <a:noFill/>
+        </p:spPr>
+        <p:txBody>
+          <a:bodyPr wrap="square" rtlCol="0">
+            <a:spAutoFit/>
+          </a:bodyPr>
+          <a:lstStyle/>
+          <a:p>
+            <a:r>
+              <a:rPr lang="en-US" dirty="0">
+                <a:solidFill>
+                  <a:schemeClr val="bg1"/>
+                </a:solidFill>
+              </a:rPr>
+              <a:t>EXAMPLE CODE</a:t>
+            </a:r>
+          </a:p>
+        </p:txBody>
+      </p:sp>
+    </p:spTree>
+    <p:extLst>
+      <p:ext uri="{BB962C8B-B14F-4D97-AF65-F5344CB8AC3E}">
+        <p14:creationId xmlns:p14="http://schemas.microsoft.com/office/powerpoint/2010/main" val="3263701233"/>
+      </p:ext>
+    </p:extLst>
+  </p:cSld>
+  <p:clrMapOvr>
+    <a:overrideClrMapping bg1="dk1" tx1="lt1" bg2="dk2" tx2="lt2" accent1="accent1" accent2="accent2" accent3="accent3" accent4="accent4" accent5="accent5" accent6="accent6" hlink="hlink" folHlink="folHlink"/>
+  </p:clrMapOvr>
+</p:sld>
+</file>
+
+<file path=ppt/slides/slide3.xml><?xml version="1.0" encoding="utf-8"?>
+<p:sld xmlns:a="http://schemas.openxmlformats.org/drawingml/2006/main" xmlns:r="http://schemas.openxmlformats.org/officeDocument/2006/relationships" xmlns:p="http://schemas.openxmlformats.org/presentationml/2006/main">
+  <p:cSld>
+    <p:bg>
+      <p:bgPr>
+        <a:solidFill>
+          <a:schemeClr val="bg2"/>
+        </a:solidFill>
+        <a:effectLst/>
+      </p:bgPr>
+    </p:bg>
+    <p:spTree>
+      <p:nvGrpSpPr>
+        <p:cNvPr id="1" name=""/>
+        <p:cNvGrpSpPr/>
+        <p:nvPr/>
+      </p:nvGrpSpPr>
+      <p:grpSpPr>
+        <a:xfrm>
+          <a:off x="0" y="0"/>
+          <a:ext cx="0" cy="0"/>
+          <a:chOff x="0" y="0"/>
+          <a:chExt cx="0" cy="0"/>
+        </a:xfrm>
+      </p:grpSpPr>
+      <p:sp>
+        <p:nvSpPr>
+          <p:cNvPr id="10" name="Rectangle 9">
+            <a:extLst>
+              <a:ext uri="{FF2B5EF4-FFF2-40B4-BE49-F238E27FC236}">
+                <a16:creationId xmlns:a16="http://schemas.microsoft.com/office/drawing/2014/main" id="{1BB56EB9-078F-4952-AC1F-149C7A0AE4D5}"/>
+              </a:ext>
+              <a:ext uri="{C183D7F6-B498-43B3-948B-1728B52AA6E4}">
+                <adec:decorative xmlns:adec="http://schemas.microsoft.com/office/drawing/2017/decorative" val="1"/>
+              </a:ext>
+            </a:extLst>
+          </p:cNvPr>
+          <p:cNvSpPr>
+            <a:spLocks noGrp="1" noRot="1" noChangeAspect="1" noMove="1" noResize="1" noEditPoints="1" noAdjustHandles="1" noChangeArrowheads="1" noChangeShapeType="1" noTextEdit="1"/>
+          </p:cNvSpPr>
+          <p:nvPr>
+            <p:extLst>
+              <p:ext uri="{386F3935-93C4-4BCD-93E2-E3B085C9AB24}">
+                <p16:designElem xmlns:p16="http://schemas.microsoft.com/office/powerpoint/2015/main" val="1"/>
+              </p:ext>
+            </p:extLst>
+          </p:nvPr>
+        </p:nvSpPr>
+        <p:spPr>
+          <a:xfrm>
+            <a:off x="0" y="0"/>
+            <a:ext cx="12192000" cy="6858000"/>
+          </a:xfrm>
+          <a:prstGeom prst="rect">
+            <a:avLst/>
+          </a:prstGeom>
+          <a:solidFill>
+            <a:schemeClr val="tx1"/>
+          </a:solidFill>
+          <a:ln>
+            <a:noFill/>
+          </a:ln>
+        </p:spPr>
+        <p:style>
+          <a:lnRef idx="2">
+            <a:schemeClr val="accent1">
+              <a:shade val="50000"/>
+            </a:schemeClr>
+          </a:lnRef>
+          <a:fillRef idx="1">
+            <a:schemeClr val="accent1"/>
+          </a:fillRef>
+          <a:effectRef idx="0">
+            <a:schemeClr val="accent1"/>
+          </a:effectRef>
+          <a:fontRef idx="minor">
+            <a:schemeClr val="lt1"/>
+          </a:fontRef>
+        </p:style>
+        <p:txBody>
+          <a:bodyPr rtlCol="0" anchor="ctr"/>
+          <a:lstStyle/>
+          <a:p>
+            <a:pPr algn="ctr"/>
+            <a:endParaRPr lang="en-US"/>
+          </a:p>
+        </p:txBody>
+      </p:sp>
+      <p:sp>
+        <p:nvSpPr>
+          <p:cNvPr id="12" name="Rectangle 11">
+            <a:extLst>
+              <a:ext uri="{FF2B5EF4-FFF2-40B4-BE49-F238E27FC236}">
+                <a16:creationId xmlns:a16="http://schemas.microsoft.com/office/drawing/2014/main" id="{D3772EE4-ED5E-4D3A-A306-B22CF866786D}"/>
+              </a:ext>
+              <a:ext uri="{C183D7F6-B498-43B3-948B-1728B52AA6E4}">
+                <adec:decorative xmlns:adec="http://schemas.microsoft.com/office/drawing/2017/decorative" val="1"/>
+              </a:ext>
+            </a:extLst>
+          </p:cNvPr>
+          <p:cNvSpPr>
+            <a:spLocks noGrp="1" noRot="1" noChangeAspect="1" noMove="1" noResize="1" noEditPoints="1" noAdjustHandles="1" noChangeArrowheads="1" noChangeShapeType="1" noTextEdit="1"/>
+          </p:cNvSpPr>
+          <p:nvPr>
+            <p:extLst>
+              <p:ext uri="{386F3935-93C4-4BCD-93E2-E3B085C9AB24}">
+                <p16:designElem xmlns:p16="http://schemas.microsoft.com/office/powerpoint/2015/main" val="1"/>
+              </p:ext>
+            </p:extLst>
+          </p:nvPr>
+        </p:nvSpPr>
+        <p:spPr>
+          <a:xfrm>
+            <a:off x="446534" y="601200"/>
+            <a:ext cx="3703320" cy="5789365"/>
+          </a:xfrm>
+          <a:prstGeom prst="rect">
+            <a:avLst/>
+          </a:prstGeom>
+          <a:solidFill>
+            <a:srgbClr val="465359"/>
+          </a:solidFill>
+          <a:ln>
+            <a:noFill/>
+          </a:ln>
+          <a:effectLst/>
+        </p:spPr>
+        <p:style>
+          <a:lnRef idx="1">
+            <a:schemeClr val="accent1"/>
+          </a:lnRef>
+          <a:fillRef idx="3">
+            <a:schemeClr val="accent1"/>
+          </a:fillRef>
+          <a:effectRef idx="2">
+            <a:schemeClr val="accent1"/>
+          </a:effectRef>
+          <a:fontRef idx="minor">
+            <a:schemeClr val="lt1"/>
+          </a:fontRef>
+        </p:style>
+        <p:txBody>
+          <a:bodyPr/>
+          <a:lstStyle/>
+          <a:p>
+            <a:endParaRPr lang="en-US"/>
+          </a:p>
+        </p:txBody>
+      </p:sp>
+      <p:sp>
+        <p:nvSpPr>
+          <p:cNvPr id="2" name="Title 1">
+            <a:extLst>
+              <a:ext uri="{FF2B5EF4-FFF2-40B4-BE49-F238E27FC236}">
+                <a16:creationId xmlns:a16="http://schemas.microsoft.com/office/drawing/2014/main" id="{EBCF2301-949F-FB7F-0D86-DE4CA605D4C7}"/>
+              </a:ext>
+            </a:extLst>
+          </p:cNvPr>
+          <p:cNvSpPr>
+            <a:spLocks noGrp="1"/>
+          </p:cNvSpPr>
+          <p:nvPr>
+            <p:ph type="title"/>
+          </p:nvPr>
+        </p:nvSpPr>
+        <p:spPr>
+          <a:xfrm>
+            <a:off x="672280" y="944752"/>
+            <a:ext cx="3259016" cy="1462692"/>
+          </a:xfrm>
+        </p:spPr>
+        <p:txBody>
+          <a:bodyPr>
+            <a:normAutofit/>
+          </a:bodyPr>
+          <a:lstStyle/>
+          <a:p>
+            <a:r>
+              <a:rPr lang="en-US">
+                <a:solidFill>
+                  <a:srgbClr val="FFFFFF"/>
+                </a:solidFill>
+              </a:rPr>
+              <a:t>Project development</a:t>
+            </a:r>
+          </a:p>
+        </p:txBody>
+      </p:sp>
+      <p:sp>
+        <p:nvSpPr>
+          <p:cNvPr id="14" name="Rectangle 13">
+            <a:extLst>
+              <a:ext uri="{FF2B5EF4-FFF2-40B4-BE49-F238E27FC236}">
+                <a16:creationId xmlns:a16="http://schemas.microsoft.com/office/drawing/2014/main" id="{10058680-D07C-4893-B2B7-91543F18AB32}"/>
+              </a:ext>
+              <a:ext uri="{C183D7F6-B498-43B3-948B-1728B52AA6E4}">
+                <adec:decorative xmlns:adec="http://schemas.microsoft.com/office/drawing/2017/decorative" val="1"/>
+              </a:ext>
+            </a:extLst>
+          </p:cNvPr>
+          <p:cNvSpPr>
+            <a:spLocks noGrp="1" noRot="1" noChangeAspect="1" noMove="1" noResize="1" noEditPoints="1" noAdjustHandles="1" noChangeArrowheads="1" noChangeShapeType="1" noTextEdit="1"/>
+          </p:cNvSpPr>
+          <p:nvPr>
+            <p:extLst>
+              <p:ext uri="{386F3935-93C4-4BCD-93E2-E3B085C9AB24}">
+                <p16:designElem xmlns:p16="http://schemas.microsoft.com/office/powerpoint/2015/main" val="1"/>
+              </p:ext>
+            </p:extLst>
+          </p:nvPr>
+        </p:nvSpPr>
+        <p:spPr>
+          <a:xfrm>
+            <a:off x="446534" y="457200"/>
+            <a:ext cx="3703320" cy="94997"/>
+          </a:xfrm>
+          <a:prstGeom prst="rect">
+            <a:avLst/>
+          </a:prstGeom>
+          <a:solidFill>
+            <a:srgbClr val="465359"/>
+          </a:solidFill>
+          <a:ln>
+            <a:noFill/>
+          </a:ln>
+          <a:effectLst/>
+        </p:spPr>
+        <p:style>
+          <a:lnRef idx="1">
+            <a:schemeClr val="accent1"/>
+          </a:lnRef>
+          <a:fillRef idx="3">
+            <a:schemeClr val="accent1"/>
+          </a:fillRef>
+          <a:effectRef idx="2">
+            <a:schemeClr val="accent1"/>
+          </a:effectRef>
+          <a:fontRef idx="minor">
+            <a:schemeClr val="lt1"/>
+          </a:fontRef>
+        </p:style>
+        <p:txBody>
+          <a:bodyPr/>
+          <a:lstStyle/>
+          <a:p>
+            <a:endParaRPr lang="en-US"/>
+          </a:p>
+        </p:txBody>
+      </p:sp>
+      <p:sp>
+        <p:nvSpPr>
+          <p:cNvPr id="16" name="Rectangle 15">
+            <a:extLst>
+              <a:ext uri="{FF2B5EF4-FFF2-40B4-BE49-F238E27FC236}">
+                <a16:creationId xmlns:a16="http://schemas.microsoft.com/office/drawing/2014/main" id="{7B42427A-0A1F-4A55-8705-D9179F1E0CFB}"/>
+              </a:ext>
+              <a:ext uri="{C183D7F6-B498-43B3-948B-1728B52AA6E4}">
+                <adec:decorative xmlns:adec="http://schemas.microsoft.com/office/drawing/2017/decorative" val="1"/>
+              </a:ext>
+            </a:extLst>
+          </p:cNvPr>
+          <p:cNvSpPr>
+            <a:spLocks noGrp="1" noRot="1" noChangeAspect="1" noMove="1" noResize="1" noEditPoints="1" noAdjustHandles="1" noChangeArrowheads="1" noChangeShapeType="1" noTextEdit="1"/>
+          </p:cNvSpPr>
+          <p:nvPr>
+            <p:extLst>
+              <p:ext uri="{386F3935-93C4-4BCD-93E2-E3B085C9AB24}">
+                <p16:designElem xmlns:p16="http://schemas.microsoft.com/office/powerpoint/2015/main" val="1"/>
+              </p:ext>
+            </p:extLst>
+          </p:nvPr>
+        </p:nvSpPr>
+        <p:spPr>
+          <a:xfrm>
+            <a:off x="4241830" y="457200"/>
+            <a:ext cx="3703320" cy="91440"/>
+          </a:xfrm>
+          <a:prstGeom prst="rect">
+            <a:avLst/>
+          </a:prstGeom>
+          <a:solidFill>
+            <a:schemeClr val="accent1"/>
+          </a:solidFill>
+          <a:ln>
+            <a:noFill/>
+          </a:ln>
+          <a:effectLst/>
+        </p:spPr>
+        <p:style>
+          <a:lnRef idx="1">
+            <a:schemeClr val="accent1"/>
+          </a:lnRef>
+          <a:fillRef idx="3">
+            <a:schemeClr val="accent1"/>
+          </a:fillRef>
+          <a:effectRef idx="2">
+            <a:schemeClr val="accent1"/>
+          </a:effectRef>
+          <a:fontRef idx="minor">
+            <a:schemeClr val="lt1"/>
+          </a:fontRef>
+        </p:style>
+        <p:txBody>
+          <a:bodyPr/>
+          <a:lstStyle/>
+          <a:p>
+            <a:endParaRPr lang="en-US" dirty="0"/>
+          </a:p>
+        </p:txBody>
+      </p:sp>
+      <p:sp>
+        <p:nvSpPr>
+          <p:cNvPr id="18" name="Rectangle 17">
+            <a:extLst>
+              <a:ext uri="{FF2B5EF4-FFF2-40B4-BE49-F238E27FC236}">
+                <a16:creationId xmlns:a16="http://schemas.microsoft.com/office/drawing/2014/main" id="{EE54A6FE-D8CB-48A3-900B-053D4EBD3B85}"/>
+              </a:ext>
+              <a:ext uri="{C183D7F6-B498-43B3-948B-1728B52AA6E4}">
+                <adec:decorative xmlns:adec="http://schemas.microsoft.com/office/drawing/2017/decorative" val="1"/>
+              </a:ext>
+            </a:extLst>
+          </p:cNvPr>
+          <p:cNvSpPr>
+            <a:spLocks noGrp="1" noRot="1" noChangeAspect="1" noMove="1" noResize="1" noEditPoints="1" noAdjustHandles="1" noChangeArrowheads="1" noChangeShapeType="1" noTextEdit="1"/>
+          </p:cNvSpPr>
+          <p:nvPr>
+            <p:extLst>
+              <p:ext uri="{386F3935-93C4-4BCD-93E2-E3B085C9AB24}">
+                <p16:designElem xmlns:p16="http://schemas.microsoft.com/office/powerpoint/2015/main" val="1"/>
+              </p:ext>
+            </p:extLst>
+          </p:nvPr>
+        </p:nvSpPr>
+        <p:spPr>
+          <a:xfrm>
+            <a:off x="8042147" y="453643"/>
+            <a:ext cx="3703320" cy="98554"/>
+          </a:xfrm>
+          <a:prstGeom prst="rect">
+            <a:avLst/>
+          </a:prstGeom>
+          <a:solidFill>
+            <a:srgbClr val="969FA7"/>
+          </a:solidFill>
+          <a:ln>
+            <a:noFill/>
+          </a:ln>
+          <a:effectLst/>
+        </p:spPr>
+        <p:style>
+          <a:lnRef idx="1">
+            <a:schemeClr val="accent1"/>
+          </a:lnRef>
+          <a:fillRef idx="3">
+            <a:schemeClr val="accent1"/>
+          </a:fillRef>
+          <a:effectRef idx="2">
+            <a:schemeClr val="accent1"/>
+          </a:effectRef>
+          <a:fontRef idx="minor">
+            <a:schemeClr val="lt1"/>
+          </a:fontRef>
+        </p:style>
+        <p:txBody>
+          <a:bodyPr/>
+          <a:lstStyle/>
+          <a:p>
+            <a:endParaRPr lang="en-US"/>
+          </a:p>
+        </p:txBody>
+      </p:sp>
+      <p:sp>
+        <p:nvSpPr>
+          <p:cNvPr id="3" name="Content Placeholder 2">
+            <a:extLst>
+              <a:ext uri="{FF2B5EF4-FFF2-40B4-BE49-F238E27FC236}">
+                <a16:creationId xmlns:a16="http://schemas.microsoft.com/office/drawing/2014/main" id="{6C4D95BB-D2CF-833B-294C-A56CF4F0DD65}"/>
+              </a:ext>
+            </a:extLst>
+          </p:cNvPr>
+          <p:cNvSpPr>
+            <a:spLocks noGrp="1"/>
+          </p:cNvSpPr>
+          <p:nvPr>
+            <p:ph idx="1"/>
+          </p:nvPr>
+        </p:nvSpPr>
+        <p:spPr>
+          <a:xfrm>
+            <a:off x="671513" y="2536031"/>
+            <a:ext cx="3123783" cy="3671936"/>
+          </a:xfrm>
+        </p:spPr>
+        <p:txBody>
+          <a:bodyPr anchor="t">
+            <a:normAutofit/>
+          </a:bodyPr>
+          <a:lstStyle/>
+          <a:p>
+            <a:pPr>
+              <a:lnSpc>
+                <a:spcPct val="100000"/>
+              </a:lnSpc>
+            </a:pPr>
+            <a:r>
+              <a:rPr lang="en-US" sz="1300">
+                <a:solidFill>
+                  <a:srgbClr val="FFFFFF"/>
+                </a:solidFill>
+              </a:rPr>
+              <a:t>What surprised me? What changed? Roadblocks?</a:t>
+            </a:r>
+          </a:p>
+          <a:p>
+            <a:pPr>
+              <a:lnSpc>
+                <a:spcPct val="100000"/>
+              </a:lnSpc>
+            </a:pPr>
+            <a:r>
+              <a:rPr lang="en-US" sz="1300">
+                <a:solidFill>
+                  <a:srgbClr val="FFFFFF"/>
+                </a:solidFill>
+              </a:rPr>
+              <a:t>SPRINT 1</a:t>
+            </a:r>
+          </a:p>
+          <a:p>
+            <a:pPr lvl="1">
+              <a:lnSpc>
+                <a:spcPct val="100000"/>
+              </a:lnSpc>
+            </a:pPr>
+            <a:r>
+              <a:rPr lang="en-US" sz="1300">
+                <a:solidFill>
+                  <a:srgbClr val="FFFFFF"/>
+                </a:solidFill>
+              </a:rPr>
+              <a:t>Originally had plans to create a website generator but could not find a code that worked in VSC</a:t>
+            </a:r>
+          </a:p>
+          <a:p>
+            <a:pPr>
+              <a:lnSpc>
+                <a:spcPct val="100000"/>
+              </a:lnSpc>
+            </a:pPr>
+            <a:r>
+              <a:rPr lang="en-US" sz="1300">
+                <a:solidFill>
+                  <a:srgbClr val="FFFFFF"/>
+                </a:solidFill>
+              </a:rPr>
+              <a:t>SPRINT 2</a:t>
+            </a:r>
+          </a:p>
+          <a:p>
+            <a:pPr lvl="1">
+              <a:lnSpc>
+                <a:spcPct val="100000"/>
+              </a:lnSpc>
+            </a:pPr>
+            <a:r>
+              <a:rPr lang="en-US" sz="1300">
+                <a:solidFill>
+                  <a:srgbClr val="FFFFFF"/>
+                </a:solidFill>
+              </a:rPr>
+              <a:t>Decided to switch gears and just focus on finding a code that worked</a:t>
+            </a:r>
+          </a:p>
+          <a:p>
+            <a:pPr>
+              <a:lnSpc>
+                <a:spcPct val="100000"/>
+              </a:lnSpc>
+            </a:pPr>
+            <a:r>
+              <a:rPr lang="en-US" sz="1300">
+                <a:solidFill>
+                  <a:srgbClr val="FFFFFF"/>
+                </a:solidFill>
+              </a:rPr>
+              <a:t>SPRINT 3</a:t>
+            </a:r>
+          </a:p>
+          <a:p>
+            <a:pPr lvl="1">
+              <a:lnSpc>
+                <a:spcPct val="100000"/>
+              </a:lnSpc>
+            </a:pPr>
+            <a:r>
+              <a:rPr lang="en-US" sz="1300">
+                <a:solidFill>
+                  <a:srgbClr val="FFFFFF"/>
+                </a:solidFill>
+              </a:rPr>
+              <a:t>Made last minute developments to ensure the code was flawless and accurate</a:t>
+            </a:r>
+          </a:p>
+        </p:txBody>
+      </p:sp>
+      <p:pic>
+        <p:nvPicPr>
+          <p:cNvPr id="5" name="Picture 4" descr="A screenshot of a computer program&#10;&#10;Description automatically generated">
+            <a:extLst>
+              <a:ext uri="{FF2B5EF4-FFF2-40B4-BE49-F238E27FC236}">
+                <a16:creationId xmlns:a16="http://schemas.microsoft.com/office/drawing/2014/main" id="{58B04ACF-A41C-A8B1-2B59-B897CCE23BDA}"/>
+              </a:ext>
+            </a:extLst>
+          </p:cNvPr>
+          <p:cNvPicPr>
+            <a:picLocks noChangeAspect="1"/>
+          </p:cNvPicPr>
+          <p:nvPr/>
+        </p:nvPicPr>
+        <p:blipFill>
+          <a:blip r:embed="rId2">
+            <a:extLst>
+              <a:ext uri="{28A0092B-C50C-407E-A947-70E740481C1C}">
+                <a14:useLocalDpi xmlns:a14="http://schemas.microsoft.com/office/drawing/2010/main" val="0"/>
+              </a:ext>
+            </a:extLst>
+          </a:blip>
+          <a:srcRect r="202" b="2"/>
+          <a:stretch/>
+        </p:blipFill>
+        <p:spPr>
+          <a:xfrm>
+            <a:off x="4241830" y="601200"/>
+            <a:ext cx="7503636" cy="5789365"/>
+          </a:xfrm>
+          <a:prstGeom prst="rect">
+            <a:avLst/>
+          </a:prstGeom>
+        </p:spPr>
+      </p:pic>
+    </p:spTree>
+    <p:extLst>
+      <p:ext uri="{BB962C8B-B14F-4D97-AF65-F5344CB8AC3E}">
+        <p14:creationId xmlns:p14="http://schemas.microsoft.com/office/powerpoint/2010/main" val="4237273919"/>
+      </p:ext>
+    </p:extLst>
+  </p:cSld>
+  <p:clrMapOvr>
+    <a:overrideClrMapping bg1="dk1" tx1="lt1" bg2="dk2" tx2="lt2" accent1="accent1" accent2="accent2" accent3="accent3" accent4="accent4" accent5="accent5" accent6="accent6" hlink="hlink" folHlink="folHlink"/>
+  </p:clrMapOvr>
+</p:sld>
+</file>
+
+<file path=ppt/slides/slide4.xml><?xml version="1.0" encoding="utf-8"?>
+<p:sld xmlns:a="http://schemas.openxmlformats.org/drawingml/2006/main" xmlns:r="http://schemas.openxmlformats.org/officeDocument/2006/relationships" xmlns:p="http://schemas.openxmlformats.org/presentationml/2006/main">
+  <p:cSld>
+    <p:bg>
+      <p:bgPr>
+        <a:solidFill>
+          <a:schemeClr val="bg1"/>
+        </a:solidFill>
+        <a:effectLst/>
+      </p:bgPr>
+    </p:bg>
+    <p:spTree>
+      <p:nvGrpSpPr>
+        <p:cNvPr id="1" name=""/>
+        <p:cNvGrpSpPr/>
+        <p:nvPr/>
+      </p:nvGrpSpPr>
+      <p:grpSpPr>
+        <a:xfrm>
+          <a:off x="0" y="0"/>
+          <a:ext cx="0" cy="0"/>
+          <a:chOff x="0" y="0"/>
+          <a:chExt cx="0" cy="0"/>
+        </a:xfrm>
+      </p:grpSpPr>
+      <p:sp useBgFill="1">
+        <p:nvSpPr>
+          <p:cNvPr id="12" name="Rectangle 11">
+            <a:extLst>
+              <a:ext uri="{FF2B5EF4-FFF2-40B4-BE49-F238E27FC236}">
+                <a16:creationId xmlns:a16="http://schemas.microsoft.com/office/drawing/2014/main" id="{7D541204-B666-420C-9DF1-C06950D2F0DA}"/>
+              </a:ext>
+              <a:ext uri="{C183D7F6-B498-43B3-948B-1728B52AA6E4}">
+                <adec:decorative xmlns:adec="http://schemas.microsoft.com/office/drawing/2017/decorative" val="1"/>
+              </a:ext>
+            </a:extLst>
+          </p:cNvPr>
+          <p:cNvSpPr>
+            <a:spLocks noGrp="1" noRot="1" noChangeAspect="1" noMove="1" noResize="1" noEditPoints="1" noAdjustHandles="1" noChangeArrowheads="1" noChangeShapeType="1" noTextEdit="1"/>
+          </p:cNvSpPr>
+          <p:nvPr>
+            <p:extLst>
+              <p:ext uri="{386F3935-93C4-4BCD-93E2-E3B085C9AB24}">
+                <p16:designElem xmlns:p16="http://schemas.microsoft.com/office/powerpoint/2015/main" val="1"/>
+              </p:ext>
+            </p:extLst>
+          </p:nvPr>
+        </p:nvSpPr>
+        <p:spPr>
+          <a:xfrm>
+            <a:off x="0" y="0"/>
+            <a:ext cx="12192000" cy="6858000"/>
+          </a:xfrm>
+          <a:prstGeom prst="rect">
+            <a:avLst/>
+          </a:prstGeom>
+          <a:ln>
+            <a:noFill/>
+          </a:ln>
+        </p:spPr>
+        <p:style>
+          <a:lnRef idx="2">
+            <a:schemeClr val="accent1">
+              <a:shade val="50000"/>
+            </a:schemeClr>
+          </a:lnRef>
+          <a:fillRef idx="1">
+            <a:schemeClr val="accent1"/>
+          </a:fillRef>
+          <a:effectRef idx="0">
+            <a:schemeClr val="accent1"/>
+          </a:effectRef>
+          <a:fontRef idx="minor">
+            <a:schemeClr val="lt1"/>
+          </a:fontRef>
+        </p:style>
+        <p:txBody>
+          <a:bodyPr rtlCol="0" anchor="ctr"/>
+          <a:lstStyle/>
+          <a:p>
+            <a:pPr algn="ctr"/>
+            <a:endParaRPr lang="en-US"/>
+          </a:p>
+        </p:txBody>
+      </p:sp>
+      <p:sp>
+        <p:nvSpPr>
+          <p:cNvPr id="2" name="Title 1">
+            <a:extLst>
+              <a:ext uri="{FF2B5EF4-FFF2-40B4-BE49-F238E27FC236}">
+                <a16:creationId xmlns:a16="http://schemas.microsoft.com/office/drawing/2014/main" id="{82E46F04-FC95-C425-41AE-5E26858B295E}"/>
+              </a:ext>
+            </a:extLst>
+          </p:cNvPr>
+          <p:cNvSpPr>
+            <a:spLocks noGrp="1"/>
+          </p:cNvSpPr>
+          <p:nvPr>
+            <p:ph type="title"/>
+          </p:nvPr>
+        </p:nvSpPr>
+        <p:spPr>
+          <a:xfrm>
+            <a:off x="581192" y="702155"/>
+            <a:ext cx="3424138" cy="1500131"/>
+          </a:xfrm>
+        </p:spPr>
+        <p:txBody>
+          <a:bodyPr>
+            <a:normAutofit/>
+          </a:bodyPr>
+          <a:lstStyle/>
+          <a:p>
+            <a:r>
+              <a:rPr lang="en-US" dirty="0"/>
+              <a:t>The code &amp; What’s next</a:t>
+            </a:r>
+          </a:p>
+        </p:txBody>
+      </p:sp>
+      <p:sp>
+        <p:nvSpPr>
+          <p:cNvPr id="14" name="Rectangle 13">
+            <a:extLst>
+              <a:ext uri="{FF2B5EF4-FFF2-40B4-BE49-F238E27FC236}">
+                <a16:creationId xmlns:a16="http://schemas.microsoft.com/office/drawing/2014/main" id="{0C0E6C8D-508A-44F8-BB9B-7911B0118D5C}"/>
+              </a:ext>
+              <a:ext uri="{C183D7F6-B498-43B3-948B-1728B52AA6E4}">
+                <adec:decorative xmlns:adec="http://schemas.microsoft.com/office/drawing/2017/decorative" val="1"/>
+              </a:ext>
+            </a:extLst>
+          </p:cNvPr>
+          <p:cNvSpPr>
+            <a:spLocks noGrp="1" noRot="1" noChangeAspect="1" noMove="1" noResize="1" noEditPoints="1" noAdjustHandles="1" noChangeArrowheads="1" noChangeShapeType="1" noTextEdit="1"/>
+          </p:cNvSpPr>
+          <p:nvPr>
+            <p:extLst>
+              <p:ext uri="{386F3935-93C4-4BCD-93E2-E3B085C9AB24}">
+                <p16:designElem xmlns:p16="http://schemas.microsoft.com/office/powerpoint/2015/main" val="1"/>
+              </p:ext>
+            </p:extLst>
+          </p:nvPr>
+        </p:nvSpPr>
+        <p:spPr>
+          <a:xfrm>
+            <a:off x="446533" y="453643"/>
+            <a:ext cx="3703320" cy="98554"/>
+          </a:xfrm>
+          <a:prstGeom prst="rect">
+            <a:avLst/>
+          </a:prstGeom>
+          <a:solidFill>
+            <a:srgbClr val="465359"/>
+          </a:solidFill>
+          <a:ln>
+            <a:noFill/>
+          </a:ln>
+          <a:effectLst/>
+        </p:spPr>
+        <p:style>
+          <a:lnRef idx="1">
+            <a:schemeClr val="accent1"/>
+          </a:lnRef>
+          <a:fillRef idx="3">
+            <a:schemeClr val="accent1"/>
+          </a:fillRef>
+          <a:effectRef idx="2">
+            <a:schemeClr val="accent1"/>
+          </a:effectRef>
+          <a:fontRef idx="minor">
+            <a:schemeClr val="lt1"/>
+          </a:fontRef>
+        </p:style>
+        <p:txBody>
+          <a:bodyPr/>
+          <a:lstStyle/>
+          <a:p>
+            <a:endParaRPr lang="en-US"/>
+          </a:p>
+        </p:txBody>
+      </p:sp>
+      <p:sp>
+        <p:nvSpPr>
+          <p:cNvPr id="16" name="Rectangle 15">
+            <a:extLst>
+              <a:ext uri="{FF2B5EF4-FFF2-40B4-BE49-F238E27FC236}">
+                <a16:creationId xmlns:a16="http://schemas.microsoft.com/office/drawing/2014/main" id="{C84847AE-0FEA-43E8-8AA1-4169A6FDB9B9}"/>
+              </a:ext>
+              <a:ext uri="{C183D7F6-B498-43B3-948B-1728B52AA6E4}">
+                <adec:decorative xmlns:adec="http://schemas.microsoft.com/office/drawing/2017/decorative" val="1"/>
+              </a:ext>
+            </a:extLst>
+          </p:cNvPr>
+          <p:cNvSpPr>
+            <a:spLocks noGrp="1" noRot="1" noChangeAspect="1" noMove="1" noResize="1" noEditPoints="1" noAdjustHandles="1" noChangeArrowheads="1" noChangeShapeType="1" noTextEdit="1"/>
+          </p:cNvSpPr>
+          <p:nvPr>
+            <p:extLst>
+              <p:ext uri="{386F3935-93C4-4BCD-93E2-E3B085C9AB24}">
+                <p16:designElem xmlns:p16="http://schemas.microsoft.com/office/powerpoint/2015/main" val="1"/>
+              </p:ext>
+            </p:extLst>
+          </p:nvPr>
+        </p:nvSpPr>
+        <p:spPr>
+          <a:xfrm>
+            <a:off x="4246850" y="457200"/>
+            <a:ext cx="3703320" cy="91440"/>
+          </a:xfrm>
+          <a:prstGeom prst="rect">
+            <a:avLst/>
+          </a:prstGeom>
+          <a:solidFill>
+            <a:schemeClr val="accent1"/>
+          </a:solidFill>
+          <a:ln>
+            <a:noFill/>
+          </a:ln>
+          <a:effectLst/>
+        </p:spPr>
+        <p:style>
+          <a:lnRef idx="1">
+            <a:schemeClr val="accent1"/>
+          </a:lnRef>
+          <a:fillRef idx="3">
+            <a:schemeClr val="accent1"/>
+          </a:fillRef>
+          <a:effectRef idx="2">
+            <a:schemeClr val="accent1"/>
+          </a:effectRef>
+          <a:fontRef idx="minor">
+            <a:schemeClr val="lt1"/>
+          </a:fontRef>
+        </p:style>
+        <p:txBody>
+          <a:bodyPr/>
+          <a:lstStyle/>
+          <a:p>
+            <a:endParaRPr lang="en-US"/>
+          </a:p>
+        </p:txBody>
+      </p:sp>
+      <p:sp>
+        <p:nvSpPr>
+          <p:cNvPr id="18" name="Rectangle 17">
+            <a:extLst>
+              <a:ext uri="{FF2B5EF4-FFF2-40B4-BE49-F238E27FC236}">
+                <a16:creationId xmlns:a16="http://schemas.microsoft.com/office/drawing/2014/main" id="{C487790A-E9D7-438A-90BB-9361BEF14B29}"/>
+              </a:ext>
+              <a:ext uri="{C183D7F6-B498-43B3-948B-1728B52AA6E4}">
+                <adec:decorative xmlns:adec="http://schemas.microsoft.com/office/drawing/2017/decorative" val="1"/>
+              </a:ext>
+            </a:extLst>
+          </p:cNvPr>
+          <p:cNvSpPr>
+            <a:spLocks noGrp="1" noRot="1" noChangeAspect="1" noMove="1" noResize="1" noEditPoints="1" noAdjustHandles="1" noChangeArrowheads="1" noChangeShapeType="1" noTextEdit="1"/>
+          </p:cNvSpPr>
+          <p:nvPr>
+            <p:extLst>
+              <p:ext uri="{386F3935-93C4-4BCD-93E2-E3B085C9AB24}">
+                <p16:designElem xmlns:p16="http://schemas.microsoft.com/office/powerpoint/2015/main" val="1"/>
+              </p:ext>
+            </p:extLst>
+          </p:nvPr>
+        </p:nvSpPr>
+        <p:spPr>
+          <a:xfrm>
+            <a:off x="8042147" y="457200"/>
+            <a:ext cx="3703320" cy="94997"/>
+          </a:xfrm>
+          <a:prstGeom prst="rect">
+            <a:avLst/>
+          </a:prstGeom>
+          <a:solidFill>
+            <a:srgbClr val="969FA7"/>
+          </a:solidFill>
+          <a:ln>
+            <a:noFill/>
+          </a:ln>
+          <a:effectLst/>
+        </p:spPr>
+        <p:style>
+          <a:lnRef idx="1">
+            <a:schemeClr val="accent1"/>
+          </a:lnRef>
+          <a:fillRef idx="3">
+            <a:schemeClr val="accent1"/>
+          </a:fillRef>
+          <a:effectRef idx="2">
+            <a:schemeClr val="accent1"/>
+          </a:effectRef>
+          <a:fontRef idx="minor">
+            <a:schemeClr val="lt1"/>
+          </a:fontRef>
+        </p:style>
+        <p:txBody>
+          <a:bodyPr/>
+          <a:lstStyle/>
+          <a:p>
+            <a:endParaRPr lang="en-US"/>
+          </a:p>
+        </p:txBody>
+      </p:sp>
+      <p:sp>
+        <p:nvSpPr>
+          <p:cNvPr id="3" name="Content Placeholder 2">
+            <a:extLst>
+              <a:ext uri="{FF2B5EF4-FFF2-40B4-BE49-F238E27FC236}">
+                <a16:creationId xmlns:a16="http://schemas.microsoft.com/office/drawing/2014/main" id="{07EBB21B-D9A2-4B0F-939D-E44463BDFB72}"/>
+              </a:ext>
+            </a:extLst>
+          </p:cNvPr>
+          <p:cNvSpPr>
+            <a:spLocks noGrp="1"/>
+          </p:cNvSpPr>
+          <p:nvPr>
+            <p:ph idx="1"/>
+          </p:nvPr>
+        </p:nvSpPr>
+        <p:spPr>
+          <a:xfrm>
+            <a:off x="581193" y="2414788"/>
+            <a:ext cx="3424138" cy="3975776"/>
+          </a:xfrm>
+        </p:spPr>
+        <p:txBody>
+          <a:bodyPr>
+            <a:normAutofit/>
+          </a:bodyPr>
+          <a:lstStyle/>
+          <a:p>
+            <a:r>
+              <a:rPr lang="en-US" dirty="0"/>
+              <a:t>The code runs smoothly</a:t>
+            </a:r>
+          </a:p>
+          <a:p>
+            <a:r>
+              <a:rPr lang="en-US" dirty="0"/>
+              <a:t>If the project were to continue, I would do more research on how to turn the code into a website converter that would allow users to input any amount instead of just a base amount</a:t>
+            </a:r>
+          </a:p>
+        </p:txBody>
+      </p:sp>
+      <p:pic>
+        <p:nvPicPr>
+          <p:cNvPr id="5" name="Picture 4" descr="A screenshot of a computer program&#10;&#10;Description automatically generated">
+            <a:extLst>
+              <a:ext uri="{FF2B5EF4-FFF2-40B4-BE49-F238E27FC236}">
+                <a16:creationId xmlns:a16="http://schemas.microsoft.com/office/drawing/2014/main" id="{25AD2F4B-E4DE-D164-FCB2-D2EE4862DCA7}"/>
+              </a:ext>
+            </a:extLst>
+          </p:cNvPr>
+          <p:cNvPicPr>
+            <a:picLocks noChangeAspect="1"/>
+          </p:cNvPicPr>
+          <p:nvPr/>
+        </p:nvPicPr>
+        <p:blipFill rotWithShape="1">
+          <a:blip r:embed="rId2">
+            <a:extLst>
+              <a:ext uri="{28A0092B-C50C-407E-A947-70E740481C1C}">
+                <a14:useLocalDpi xmlns:a14="http://schemas.microsoft.com/office/drawing/2010/main" val="0"/>
+              </a:ext>
+            </a:extLst>
+          </a:blip>
+          <a:srcRect l="3391" r="38805" b="-1"/>
+          <a:stretch/>
+        </p:blipFill>
+        <p:spPr>
+          <a:xfrm>
+            <a:off x="8042147" y="702155"/>
+            <a:ext cx="3702877" cy="5749462"/>
+          </a:xfrm>
+          <a:prstGeom prst="rect">
+            <a:avLst/>
+          </a:prstGeom>
+        </p:spPr>
+      </p:pic>
+      <p:pic>
+        <p:nvPicPr>
+          <p:cNvPr id="7" name="Picture 6" descr="A screenshot of a computer program&#10;&#10;Description automatically generated">
+            <a:extLst>
+              <a:ext uri="{FF2B5EF4-FFF2-40B4-BE49-F238E27FC236}">
+                <a16:creationId xmlns:a16="http://schemas.microsoft.com/office/drawing/2014/main" id="{21116963-A30D-FBB0-1774-D287A7174699}"/>
+              </a:ext>
+            </a:extLst>
+          </p:cNvPr>
+          <p:cNvPicPr>
+            <a:picLocks noChangeAspect="1"/>
+          </p:cNvPicPr>
+          <p:nvPr/>
+        </p:nvPicPr>
+        <p:blipFill>
+          <a:blip r:embed="rId3">
+            <a:extLst>
+              <a:ext uri="{28A0092B-C50C-407E-A947-70E740481C1C}">
+                <a14:useLocalDpi xmlns:a14="http://schemas.microsoft.com/office/drawing/2010/main" val="0"/>
+              </a:ext>
+            </a:extLst>
+          </a:blip>
+          <a:srcRect r="24895" b="2"/>
+          <a:stretch/>
+        </p:blipFill>
+        <p:spPr>
+          <a:xfrm>
+            <a:off x="4244561" y="702155"/>
+            <a:ext cx="3702877" cy="5749462"/>
+          </a:xfrm>
+          <a:prstGeom prst="rect">
+            <a:avLst/>
+          </a:prstGeom>
+        </p:spPr>
+      </p:pic>
+      <p:sp>
+        <p:nvSpPr>
+          <p:cNvPr id="8" name="TextBox 7">
+            <a:extLst>
+              <a:ext uri="{FF2B5EF4-FFF2-40B4-BE49-F238E27FC236}">
+                <a16:creationId xmlns:a16="http://schemas.microsoft.com/office/drawing/2014/main" id="{C8B9E67E-0DCB-66CA-4E35-D811FE5A2442}"/>
+              </a:ext>
+            </a:extLst>
+          </p:cNvPr>
+          <p:cNvSpPr txBox="1"/>
+          <p:nvPr/>
+        </p:nvSpPr>
+        <p:spPr>
+          <a:xfrm>
+            <a:off x="5677094" y="6437885"/>
+            <a:ext cx="4730106" cy="369332"/>
+          </a:xfrm>
+          <a:prstGeom prst="rect">
+            <a:avLst/>
+          </a:prstGeom>
+          <a:noFill/>
+        </p:spPr>
+        <p:txBody>
+          <a:bodyPr wrap="square" rtlCol="0">
+            <a:spAutoFit/>
+          </a:bodyPr>
+          <a:lstStyle/>
+          <a:p>
+            <a:r>
+              <a:rPr lang="en-US" dirty="0"/>
+              <a:t>INPUT                                                  OUTPUT</a:t>
+            </a:r>
+          </a:p>
+        </p:txBody>
+      </p:sp>
+    </p:spTree>
+    <p:extLst>
+      <p:ext uri="{BB962C8B-B14F-4D97-AF65-F5344CB8AC3E}">
+        <p14:creationId xmlns:p14="http://schemas.microsoft.com/office/powerpoint/2010/main" val="939516980"/>
+      </p:ext>
+    </p:extLst>
+  </p:cSld>
+  <p:clrMapOvr>
+    <a:masterClrMapping/>
+  </p:clrMapOvr>
+</p:sld>
+</file>
+
 <file path=ppt/theme/theme1.xml><?xml version="1.0" encoding="utf-8"?>
 <a:theme xmlns:a="http://schemas.openxmlformats.org/drawingml/2006/main" name="DividendVTI">
   <a:themeElements>

--- a/Currency Converter Presentation.pptx
+++ b/Currency Converter Presentation.pptx
@@ -353,7 +353,7 @@
           <a:p>
             <a:fld id="{ED291B17-9318-49DB-B28B-6E5994AE9581}" type="datetime1">
               <a:rPr lang="en-US" smtClean="0"/>
-              <a:t>7/22/2024</a:t>
+              <a:t>7/24/2024</a:t>
             </a:fld>
             <a:endParaRPr lang="en-US" dirty="0"/>
           </a:p>
@@ -556,7 +556,7 @@
           <a:p>
             <a:fld id="{2CED4963-E985-44C4-B8C4-FDD613B7C2F8}" type="datetime1">
               <a:rPr lang="en-US" smtClean="0"/>
-              <a:t>7/22/2024</a:t>
+              <a:t>7/24/2024</a:t>
             </a:fld>
             <a:endParaRPr lang="en-US" dirty="0"/>
           </a:p>
@@ -918,7 +918,7 @@
           <a:p>
             <a:fld id="{ED291B17-9318-49DB-B28B-6E5994AE9581}" type="datetime1">
               <a:rPr lang="en-US" smtClean="0"/>
-              <a:t>7/22/2024</a:t>
+              <a:t>7/24/2024</a:t>
             </a:fld>
             <a:endParaRPr lang="en-US" dirty="0"/>
           </a:p>
@@ -1116,7 +1116,7 @@
           <a:p>
             <a:fld id="{78DD82B9-B8EE-4375-B6FF-88FA6ABB15D9}" type="datetime1">
               <a:rPr lang="en-US" smtClean="0"/>
-              <a:t>7/22/2024</a:t>
+              <a:t>7/24/2024</a:t>
             </a:fld>
             <a:endParaRPr lang="en-US" dirty="0"/>
           </a:p>
@@ -1428,7 +1428,7 @@
           <a:p>
             <a:fld id="{B2497495-0637-405E-AE64-5CC7506D51F5}" type="datetime1">
               <a:rPr lang="en-US" smtClean="0"/>
-              <a:t>7/22/2024</a:t>
+              <a:t>7/24/2024</a:t>
             </a:fld>
             <a:endParaRPr lang="en-US" dirty="0"/>
           </a:p>
@@ -1681,7 +1681,7 @@
           <a:p>
             <a:fld id="{7BFFD690-9426-415D-8B65-26881E07B2D4}" type="datetime1">
               <a:rPr lang="en-US" smtClean="0"/>
-              <a:t>7/22/2024</a:t>
+              <a:t>7/24/2024</a:t>
             </a:fld>
             <a:endParaRPr lang="en-US" dirty="0"/>
           </a:p>
@@ -2103,7 +2103,7 @@
           <a:p>
             <a:fld id="{04C4989A-474C-40DE-95B9-011C28B71673}" type="datetime1">
               <a:rPr lang="en-US" smtClean="0"/>
-              <a:t>7/22/2024</a:t>
+              <a:t>7/24/2024</a:t>
             </a:fld>
             <a:endParaRPr lang="en-US" dirty="0"/>
           </a:p>
@@ -2226,7 +2226,7 @@
           <a:p>
             <a:fld id="{5DB4ED54-5B5E-4A04-93D3-5772E3CE3818}" type="datetime1">
               <a:rPr lang="en-US" smtClean="0"/>
-              <a:t>7/22/2024</a:t>
+              <a:t>7/24/2024</a:t>
             </a:fld>
             <a:endParaRPr lang="en-US" dirty="0"/>
           </a:p>
@@ -2321,7 +2321,7 @@
           <a:p>
             <a:fld id="{4EDE50D6-574B-40AF-946F-D52A04ADE379}" type="datetime1">
               <a:rPr lang="en-US" smtClean="0"/>
-              <a:t>7/22/2024</a:t>
+              <a:t>7/24/2024</a:t>
             </a:fld>
             <a:endParaRPr lang="en-US" dirty="0"/>
           </a:p>
@@ -2698,7 +2698,7 @@
           <a:p>
             <a:fld id="{D82884F1-FFEA-405F-9602-3DCA865EDA4E}" type="datetime1">
               <a:rPr lang="en-US" smtClean="0"/>
-              <a:t>7/22/2024</a:t>
+              <a:t>7/24/2024</a:t>
             </a:fld>
             <a:endParaRPr lang="en-US" dirty="0"/>
           </a:p>
@@ -2991,7 +2991,7 @@
           <a:p>
             <a:fld id="{7E18DB4A-8810-4A10-AD5C-D5E2C667F5B3}" type="datetime1">
               <a:rPr lang="en-US" smtClean="0"/>
-              <a:t>7/22/2024</a:t>
+              <a:t>7/24/2024</a:t>
             </a:fld>
             <a:endParaRPr lang="en-US" dirty="0"/>
           </a:p>
@@ -3206,7 +3206,7 @@
           <a:p>
             <a:fld id="{ED291B17-9318-49DB-B28B-6E5994AE9581}" type="datetime1">
               <a:rPr lang="en-US" smtClean="0"/>
-              <a:t>7/22/2024</a:t>
+              <a:t>7/24/2024</a:t>
             </a:fld>
             <a:endParaRPr lang="en-US" dirty="0"/>
           </a:p>
@@ -4665,7 +4665,7 @@
         </p:spPr>
         <p:txBody>
           <a:bodyPr>
-            <a:normAutofit/>
+            <a:normAutofit lnSpcReduction="10000"/>
           </a:bodyPr>
           <a:lstStyle/>
           <a:p>
@@ -4713,6 +4713,17 @@
                 <a:sym typeface="Wingdings" panose="05000000000000000000" pitchFamily="2" charset="2"/>
               </a:rPr>
               <a:t>--&gt; This YouTube tutorial helped me learn how to install Pip and Requests</a:t>
+            </a:r>
+          </a:p>
+          <a:p>
+            <a:r>
+              <a:rPr lang="en-US" dirty="0">
+                <a:solidFill>
+                  <a:srgbClr val="FFFFFF"/>
+                </a:solidFill>
+                <a:sym typeface="Wingdings" panose="05000000000000000000" pitchFamily="2" charset="2"/>
+              </a:rPr>
+              <a:t>Used AI to help with specifics of the code functions</a:t>
             </a:r>
             <a:endParaRPr lang="en-US" dirty="0">
               <a:solidFill>
